--- a/Защита проекта БИДВА май 2025.pptx
+++ b/Защита проекта БИДВА май 2025.pptx
@@ -13699,7 +13699,7 @@
           <p:nvPr>
             <p:extLst>
               <p:ext uri="{D42A27DB-BD31-4B8C-83A1-F6EECF244321}">
-                <p14:modId xmlns:p14="http://schemas.microsoft.com/office/powerpoint/2010/main" val="2191891932"/>
+                <p14:modId xmlns:p14="http://schemas.microsoft.com/office/powerpoint/2010/main" val="2591457787"/>
               </p:ext>
             </p:extLst>
           </p:nvPr>
@@ -13808,7 +13808,29 @@
                           <a:latin typeface="Mulish"/>
                           <a:sym typeface="Arial"/>
                         </a:rPr>
-                        <a:t>HTML-</a:t>
+                        <a:t>Vite </a:t>
+                      </a:r>
+                      <a:r>
+                        <a:rPr lang="en" sz="1400" b="0" i="0" u="none" strike="noStrike" cap="none" dirty="0">
+                          <a:solidFill>
+                            <a:schemeClr val="dk1"/>
+                          </a:solidFill>
+                          <a:latin typeface="Mulish"/>
+                          <a:cs typeface="Arial"/>
+                          <a:sym typeface="Arial"/>
+                        </a:rPr>
+                        <a:t>+ </a:t>
+                      </a:r>
+                      <a:r>
+                        <a:rPr lang="en-US" sz="1400" b="0" i="0" u="none" strike="noStrike" cap="none" dirty="0">
+                          <a:solidFill>
+                            <a:schemeClr val="dk1"/>
+                          </a:solidFill>
+                          <a:latin typeface="Mulish"/>
+                          <a:cs typeface="Arial"/>
+                          <a:sym typeface="Arial"/>
+                        </a:rPr>
+                        <a:t>HTML</a:t>
                       </a:r>
                       <a:r>
                         <a:rPr lang="ru-RU" sz="1400" b="0" i="0" u="none" strike="noStrike" cap="none" dirty="0">
@@ -13816,10 +13838,30 @@
                             <a:schemeClr val="dk1"/>
                           </a:solidFill>
                           <a:latin typeface="Mulish"/>
+                          <a:cs typeface="Arial"/>
                           <a:sym typeface="Arial"/>
                         </a:rPr>
-                        <a:t>страница (форма запроса)</a:t>
+                        <a:t>-страница на </a:t>
                       </a:r>
+                      <a:r>
+                        <a:rPr lang="en-US" sz="1400" b="0" i="0" u="none" strike="noStrike" cap="none" dirty="0">
+                          <a:solidFill>
+                            <a:schemeClr val="dk1"/>
+                          </a:solidFill>
+                          <a:latin typeface="Mulish"/>
+                          <a:cs typeface="Arial"/>
+                          <a:sym typeface="Arial"/>
+                        </a:rPr>
+                        <a:t>React Framework</a:t>
+                      </a:r>
+                      <a:endParaRPr lang="ru-RU" sz="1400" b="0" i="0" u="none" strike="noStrike" cap="none" dirty="0">
+                        <a:solidFill>
+                          <a:schemeClr val="dk1"/>
+                        </a:solidFill>
+                        <a:latin typeface="Mulish"/>
+                        <a:cs typeface="Arial"/>
+                        <a:sym typeface="Arial"/>
+                      </a:endParaRPr>
                     </a:p>
                   </a:txBody>
                   <a:tcPr marL="91425" marR="91425" marT="0" marB="0" anchor="ctr">
@@ -14121,7 +14163,7 @@
                           <a:latin typeface="Mulish"/>
                           <a:sym typeface="Arial"/>
                         </a:rPr>
-                        <a:t>Docker Compose</a:t>
+                        <a:t>Docker container</a:t>
                       </a:r>
                     </a:p>
                   </a:txBody>

--- a/Защита проекта БИДВА май 2025.pptx
+++ b/Защита проекта БИДВА май 2025.pptx
@@ -5,7 +5,7 @@
     <p:sldMasterId id="2147483674" r:id="rId1"/>
   </p:sldMasterIdLst>
   <p:notesMasterIdLst>
-    <p:notesMasterId r:id="rId15"/>
+    <p:notesMasterId r:id="rId17"/>
   </p:notesMasterIdLst>
   <p:sldIdLst>
     <p:sldId id="256" r:id="rId2"/>
@@ -21,37 +21,39 @@
     <p:sldId id="310" r:id="rId12"/>
     <p:sldId id="311" r:id="rId13"/>
     <p:sldId id="312" r:id="rId14"/>
+    <p:sldId id="318" r:id="rId15"/>
+    <p:sldId id="319" r:id="rId16"/>
   </p:sldIdLst>
   <p:sldSz cx="9144000" cy="5143500" type="screen16x9"/>
   <p:notesSz cx="6858000" cy="9144000"/>
   <p:embeddedFontLst>
     <p:embeddedFont>
       <p:font typeface="Bebas Neue" panose="020B0606020202050201" pitchFamily="34" charset="0"/>
-      <p:regular r:id="rId16"/>
+      <p:regular r:id="rId18"/>
     </p:embeddedFont>
     <p:embeddedFont>
       <p:font typeface="IBM Plex Sans" panose="020B0503050203000203" pitchFamily="34" charset="0"/>
-      <p:regular r:id="rId17"/>
-      <p:bold r:id="rId18"/>
-      <p:italic r:id="rId19"/>
-      <p:boldItalic r:id="rId20"/>
+      <p:regular r:id="rId19"/>
+      <p:bold r:id="rId20"/>
+      <p:italic r:id="rId21"/>
+      <p:boldItalic r:id="rId22"/>
     </p:embeddedFont>
     <p:embeddedFont>
       <p:font typeface="Mulish" panose="020B0604020202020204" charset="-52"/>
-      <p:regular r:id="rId21"/>
-      <p:bold r:id="rId22"/>
-      <p:italic r:id="rId23"/>
-      <p:boldItalic r:id="rId24"/>
+      <p:regular r:id="rId23"/>
+      <p:bold r:id="rId24"/>
+      <p:italic r:id="rId25"/>
+      <p:boldItalic r:id="rId26"/>
     </p:embeddedFont>
     <p:embeddedFont>
       <p:font typeface="Nunito Light" pitchFamily="2" charset="-52"/>
-      <p:regular r:id="rId25"/>
-      <p:italic r:id="rId26"/>
+      <p:regular r:id="rId27"/>
+      <p:italic r:id="rId28"/>
     </p:embeddedFont>
     <p:embeddedFont>
       <p:font typeface="Quicksand" panose="020B0604020202020204" charset="0"/>
-      <p:regular r:id="rId27"/>
-      <p:bold r:id="rId28"/>
+      <p:regular r:id="rId29"/>
+      <p:bold r:id="rId30"/>
     </p:embeddedFont>
   </p:embeddedFontLst>
   <p:defaultTextStyle>
@@ -301,6 +303,8 @@
             <p14:sldId id="310"/>
             <p14:sldId id="311"/>
             <p14:sldId id="312"/>
+            <p14:sldId id="318"/>
+            <p14:sldId id="319"/>
           </p14:sldIdLst>
         </p14:section>
       </p14:sectionLst>
@@ -14650,6 +14654,894 @@
 </p:sld>
 </file>
 
+<file path=ppt/slides/slide14.xml><?xml version="1.0" encoding="utf-8"?>
+<p:sld xmlns:a="http://schemas.openxmlformats.org/drawingml/2006/main" xmlns:r="http://schemas.openxmlformats.org/officeDocument/2006/relationships" xmlns:p="http://schemas.openxmlformats.org/presentationml/2006/main">
+  <p:cSld>
+    <p:spTree>
+      <p:nvGrpSpPr>
+        <p:cNvPr id="1" name=""/>
+        <p:cNvGrpSpPr/>
+        <p:nvPr/>
+      </p:nvGrpSpPr>
+      <p:grpSpPr>
+        <a:xfrm>
+          <a:off x="0" y="0"/>
+          <a:ext cx="0" cy="0"/>
+          <a:chOff x="0" y="0"/>
+          <a:chExt cx="0" cy="0"/>
+        </a:xfrm>
+      </p:grpSpPr>
+      <p:sp>
+        <p:nvSpPr>
+          <p:cNvPr id="2" name="Номер слайда 1">
+            <a:extLst>
+              <a:ext uri="{FF2B5EF4-FFF2-40B4-BE49-F238E27FC236}">
+                <a16:creationId xmlns:a16="http://schemas.microsoft.com/office/drawing/2014/main" id="{38B6107F-D489-8B01-65EA-BE52B18460CF}"/>
+              </a:ext>
+            </a:extLst>
+          </p:cNvPr>
+          <p:cNvSpPr>
+            <a:spLocks noGrp="1"/>
+          </p:cNvSpPr>
+          <p:nvPr>
+            <p:ph type="sldNum" idx="12"/>
+          </p:nvPr>
+        </p:nvSpPr>
+        <p:spPr/>
+        <p:txBody>
+          <a:bodyPr/>
+          <a:lstStyle/>
+          <a:p>
+            <a:pPr marL="0" lvl="0" indent="0" algn="ctr" rtl="0">
+              <a:spcBef>
+                <a:spcPts val="0"/>
+              </a:spcBef>
+              <a:spcAft>
+                <a:spcPts val="0"/>
+              </a:spcAft>
+              <a:buNone/>
+            </a:pPr>
+            <a:fld id="{00000000-1234-1234-1234-123412341234}" type="slidenum">
+              <a:rPr lang="en" smtClean="0"/>
+              <a:t>14</a:t>
+            </a:fld>
+            <a:endParaRPr lang="en"/>
+          </a:p>
+        </p:txBody>
+      </p:sp>
+      <p:sp>
+        <p:nvSpPr>
+          <p:cNvPr id="5" name="Google Shape;295;p30">
+            <a:extLst>
+              <a:ext uri="{FF2B5EF4-FFF2-40B4-BE49-F238E27FC236}">
+                <a16:creationId xmlns:a16="http://schemas.microsoft.com/office/drawing/2014/main" id="{D8C63F40-E51D-759B-AE45-B9003F30BF09}"/>
+              </a:ext>
+            </a:extLst>
+          </p:cNvPr>
+          <p:cNvSpPr txBox="1">
+            <a:spLocks noGrp="1"/>
+          </p:cNvSpPr>
+          <p:nvPr>
+            <p:ph type="title"/>
+          </p:nvPr>
+        </p:nvSpPr>
+        <p:spPr>
+          <a:xfrm>
+            <a:off x="720000" y="445025"/>
+            <a:ext cx="7704000" cy="572700"/>
+          </a:xfrm>
+          <a:prstGeom prst="rect">
+            <a:avLst/>
+          </a:prstGeom>
+        </p:spPr>
+        <p:txBody>
+          <a:bodyPr spcFirstLastPara="1" wrap="square" lIns="91425" tIns="91425" rIns="91425" bIns="91425" anchor="t" anchorCtr="0">
+            <a:noAutofit/>
+          </a:bodyPr>
+          <a:lstStyle/>
+          <a:p>
+            <a:r>
+              <a:rPr lang="ru-RU" b="1" dirty="0"/>
+              <a:t>Планы по развитию</a:t>
+            </a:r>
+          </a:p>
+        </p:txBody>
+      </p:sp>
+      <p:sp>
+        <p:nvSpPr>
+          <p:cNvPr id="7" name="Google Shape;342;p33">
+            <a:extLst>
+              <a:ext uri="{FF2B5EF4-FFF2-40B4-BE49-F238E27FC236}">
+                <a16:creationId xmlns:a16="http://schemas.microsoft.com/office/drawing/2014/main" id="{BCA0B09E-A722-29C6-8AB4-FA7B0DF10EFA}"/>
+              </a:ext>
+            </a:extLst>
+          </p:cNvPr>
+          <p:cNvSpPr txBox="1">
+            <a:spLocks/>
+          </p:cNvSpPr>
+          <p:nvPr/>
+        </p:nvSpPr>
+        <p:spPr>
+          <a:xfrm>
+            <a:off x="720000" y="1132951"/>
+            <a:ext cx="7704000" cy="3469924"/>
+          </a:xfrm>
+          <a:prstGeom prst="rect">
+            <a:avLst/>
+          </a:prstGeom>
+          <a:noFill/>
+          <a:ln>
+            <a:noFill/>
+          </a:ln>
+        </p:spPr>
+        <p:txBody>
+          <a:bodyPr spcFirstLastPara="1" wrap="square" lIns="91425" tIns="91425" rIns="91425" bIns="91425" anchor="t" anchorCtr="0">
+            <a:noAutofit/>
+          </a:bodyPr>
+          <a:lstStyle>
+            <a:defPPr marR="0" lvl="0" algn="l" rtl="0">
+              <a:lnSpc>
+                <a:spcPct val="100000"/>
+              </a:lnSpc>
+              <a:spcBef>
+                <a:spcPts val="0"/>
+              </a:spcBef>
+              <a:spcAft>
+                <a:spcPts val="0"/>
+              </a:spcAft>
+            </a:defPPr>
+            <a:lvl1pPr marL="457200" marR="0" lvl="0" indent="-317500" algn="l" rtl="0">
+              <a:lnSpc>
+                <a:spcPct val="115000"/>
+              </a:lnSpc>
+              <a:spcBef>
+                <a:spcPts val="0"/>
+              </a:spcBef>
+              <a:spcAft>
+                <a:spcPts val="0"/>
+              </a:spcAft>
+              <a:buClr>
+                <a:schemeClr val="dk1"/>
+              </a:buClr>
+              <a:buSzPts val="1400"/>
+              <a:buFont typeface="Mulish"/>
+              <a:buNone/>
+              <a:defRPr sz="1400" b="0" i="0" u="none" strike="noStrike" cap="none">
+                <a:solidFill>
+                  <a:schemeClr val="dk1"/>
+                </a:solidFill>
+                <a:latin typeface="Mulish"/>
+                <a:ea typeface="Mulish"/>
+                <a:cs typeface="Mulish"/>
+                <a:sym typeface="Mulish"/>
+              </a:defRPr>
+            </a:lvl1pPr>
+            <a:lvl2pPr marL="914400" marR="0" lvl="1" indent="-317500" algn="l" rtl="0">
+              <a:lnSpc>
+                <a:spcPct val="100000"/>
+              </a:lnSpc>
+              <a:spcBef>
+                <a:spcPts val="0"/>
+              </a:spcBef>
+              <a:spcAft>
+                <a:spcPts val="0"/>
+              </a:spcAft>
+              <a:buClr>
+                <a:schemeClr val="dk1"/>
+              </a:buClr>
+              <a:buSzPts val="1400"/>
+              <a:buFont typeface="Mulish"/>
+              <a:buNone/>
+              <a:defRPr sz="1400" b="0" i="0" u="none" strike="noStrike" cap="none">
+                <a:solidFill>
+                  <a:schemeClr val="dk1"/>
+                </a:solidFill>
+                <a:latin typeface="Mulish"/>
+                <a:ea typeface="Mulish"/>
+                <a:cs typeface="Mulish"/>
+                <a:sym typeface="Mulish"/>
+              </a:defRPr>
+            </a:lvl2pPr>
+            <a:lvl3pPr marL="1371600" marR="0" lvl="2" indent="-317500" algn="l" rtl="0">
+              <a:lnSpc>
+                <a:spcPct val="100000"/>
+              </a:lnSpc>
+              <a:spcBef>
+                <a:spcPts val="1600"/>
+              </a:spcBef>
+              <a:spcAft>
+                <a:spcPts val="0"/>
+              </a:spcAft>
+              <a:buClr>
+                <a:schemeClr val="dk1"/>
+              </a:buClr>
+              <a:buSzPts val="1400"/>
+              <a:buFont typeface="Mulish"/>
+              <a:buNone/>
+              <a:defRPr sz="1400" b="0" i="0" u="none" strike="noStrike" cap="none">
+                <a:solidFill>
+                  <a:schemeClr val="dk1"/>
+                </a:solidFill>
+                <a:latin typeface="Mulish"/>
+                <a:ea typeface="Mulish"/>
+                <a:cs typeface="Mulish"/>
+                <a:sym typeface="Mulish"/>
+              </a:defRPr>
+            </a:lvl3pPr>
+            <a:lvl4pPr marL="1828800" marR="0" lvl="3" indent="-317500" algn="l" rtl="0">
+              <a:lnSpc>
+                <a:spcPct val="100000"/>
+              </a:lnSpc>
+              <a:spcBef>
+                <a:spcPts val="1600"/>
+              </a:spcBef>
+              <a:spcAft>
+                <a:spcPts val="0"/>
+              </a:spcAft>
+              <a:buClr>
+                <a:schemeClr val="dk1"/>
+              </a:buClr>
+              <a:buSzPts val="1400"/>
+              <a:buFont typeface="Mulish"/>
+              <a:buNone/>
+              <a:defRPr sz="1400" b="0" i="0" u="none" strike="noStrike" cap="none">
+                <a:solidFill>
+                  <a:schemeClr val="dk1"/>
+                </a:solidFill>
+                <a:latin typeface="Mulish"/>
+                <a:ea typeface="Mulish"/>
+                <a:cs typeface="Mulish"/>
+                <a:sym typeface="Mulish"/>
+              </a:defRPr>
+            </a:lvl4pPr>
+            <a:lvl5pPr marL="2286000" marR="0" lvl="4" indent="-317500" algn="l" rtl="0">
+              <a:lnSpc>
+                <a:spcPct val="100000"/>
+              </a:lnSpc>
+              <a:spcBef>
+                <a:spcPts val="1600"/>
+              </a:spcBef>
+              <a:spcAft>
+                <a:spcPts val="0"/>
+              </a:spcAft>
+              <a:buClr>
+                <a:schemeClr val="dk1"/>
+              </a:buClr>
+              <a:buSzPts val="1400"/>
+              <a:buFont typeface="Mulish"/>
+              <a:buNone/>
+              <a:defRPr sz="1400" b="0" i="0" u="none" strike="noStrike" cap="none">
+                <a:solidFill>
+                  <a:schemeClr val="dk1"/>
+                </a:solidFill>
+                <a:latin typeface="Mulish"/>
+                <a:ea typeface="Mulish"/>
+                <a:cs typeface="Mulish"/>
+                <a:sym typeface="Mulish"/>
+              </a:defRPr>
+            </a:lvl5pPr>
+            <a:lvl6pPr marL="2743200" marR="0" lvl="5" indent="-317500" algn="l" rtl="0">
+              <a:lnSpc>
+                <a:spcPct val="100000"/>
+              </a:lnSpc>
+              <a:spcBef>
+                <a:spcPts val="1600"/>
+              </a:spcBef>
+              <a:spcAft>
+                <a:spcPts val="0"/>
+              </a:spcAft>
+              <a:buClr>
+                <a:schemeClr val="dk1"/>
+              </a:buClr>
+              <a:buSzPts val="1400"/>
+              <a:buFont typeface="Mulish"/>
+              <a:buNone/>
+              <a:defRPr sz="1400" b="0" i="0" u="none" strike="noStrike" cap="none">
+                <a:solidFill>
+                  <a:schemeClr val="dk1"/>
+                </a:solidFill>
+                <a:latin typeface="Mulish"/>
+                <a:ea typeface="Mulish"/>
+                <a:cs typeface="Mulish"/>
+                <a:sym typeface="Mulish"/>
+              </a:defRPr>
+            </a:lvl6pPr>
+            <a:lvl7pPr marL="3200400" marR="0" lvl="6" indent="-317500" algn="l" rtl="0">
+              <a:lnSpc>
+                <a:spcPct val="100000"/>
+              </a:lnSpc>
+              <a:spcBef>
+                <a:spcPts val="1600"/>
+              </a:spcBef>
+              <a:spcAft>
+                <a:spcPts val="0"/>
+              </a:spcAft>
+              <a:buClr>
+                <a:schemeClr val="dk1"/>
+              </a:buClr>
+              <a:buSzPts val="1400"/>
+              <a:buFont typeface="Mulish"/>
+              <a:buNone/>
+              <a:defRPr sz="1400" b="0" i="0" u="none" strike="noStrike" cap="none">
+                <a:solidFill>
+                  <a:schemeClr val="dk1"/>
+                </a:solidFill>
+                <a:latin typeface="Mulish"/>
+                <a:ea typeface="Mulish"/>
+                <a:cs typeface="Mulish"/>
+                <a:sym typeface="Mulish"/>
+              </a:defRPr>
+            </a:lvl7pPr>
+            <a:lvl8pPr marL="3657600" marR="0" lvl="7" indent="-317500" algn="l" rtl="0">
+              <a:lnSpc>
+                <a:spcPct val="100000"/>
+              </a:lnSpc>
+              <a:spcBef>
+                <a:spcPts val="1600"/>
+              </a:spcBef>
+              <a:spcAft>
+                <a:spcPts val="0"/>
+              </a:spcAft>
+              <a:buClr>
+                <a:schemeClr val="dk1"/>
+              </a:buClr>
+              <a:buSzPts val="1400"/>
+              <a:buFont typeface="Mulish"/>
+              <a:buNone/>
+              <a:defRPr sz="1400" b="0" i="0" u="none" strike="noStrike" cap="none">
+                <a:solidFill>
+                  <a:schemeClr val="dk1"/>
+                </a:solidFill>
+                <a:latin typeface="Mulish"/>
+                <a:ea typeface="Mulish"/>
+                <a:cs typeface="Mulish"/>
+                <a:sym typeface="Mulish"/>
+              </a:defRPr>
+            </a:lvl8pPr>
+            <a:lvl9pPr marL="4114800" marR="0" lvl="8" indent="-317500" algn="l" rtl="0">
+              <a:lnSpc>
+                <a:spcPct val="100000"/>
+              </a:lnSpc>
+              <a:spcBef>
+                <a:spcPts val="1600"/>
+              </a:spcBef>
+              <a:spcAft>
+                <a:spcPts val="1600"/>
+              </a:spcAft>
+              <a:buClr>
+                <a:schemeClr val="dk1"/>
+              </a:buClr>
+              <a:buSzPts val="1400"/>
+              <a:buFont typeface="Mulish"/>
+              <a:buNone/>
+              <a:defRPr sz="1400" b="0" i="0" u="none" strike="noStrike" cap="none">
+                <a:solidFill>
+                  <a:schemeClr val="dk1"/>
+                </a:solidFill>
+                <a:latin typeface="Mulish"/>
+                <a:ea typeface="Mulish"/>
+                <a:cs typeface="Mulish"/>
+                <a:sym typeface="Mulish"/>
+              </a:defRPr>
+            </a:lvl9pPr>
+          </a:lstStyle>
+          <a:p>
+            <a:pPr>
+              <a:buFont typeface="Arial" panose="020B0604020202020204" pitchFamily="34" charset="0"/>
+              <a:buChar char="•"/>
+            </a:pPr>
+            <a:r>
+              <a:rPr lang="ru-RU" sz="1600" dirty="0"/>
+              <a:t>Выполнить сравнительный анализ большего количества обученных моделей для выявления более точных моделей;</a:t>
+            </a:r>
+          </a:p>
+          <a:p>
+            <a:pPr>
+              <a:buFont typeface="Arial" panose="020B0604020202020204" pitchFamily="34" charset="0"/>
+              <a:buChar char="•"/>
+            </a:pPr>
+            <a:r>
+              <a:rPr lang="ru-RU" sz="1600" dirty="0"/>
+              <a:t>Добавить возможность анализа нескольких текстов одновременно;</a:t>
+            </a:r>
+          </a:p>
+          <a:p>
+            <a:pPr>
+              <a:buFont typeface="Arial" panose="020B0604020202020204" pitchFamily="34" charset="0"/>
+              <a:buChar char="•"/>
+            </a:pPr>
+            <a:r>
+              <a:rPr lang="ru-RU" sz="1600" dirty="0"/>
+              <a:t>Добавить возможность анализа текстов в файлах;</a:t>
+            </a:r>
+          </a:p>
+          <a:p>
+            <a:pPr>
+              <a:buFont typeface="Arial" panose="020B0604020202020204" pitchFamily="34" charset="0"/>
+              <a:buChar char="•"/>
+            </a:pPr>
+            <a:r>
+              <a:rPr lang="ru-RU" sz="1600" dirty="0"/>
+              <a:t>Добавить дополнительные проверки на корректность входных данных.</a:t>
+            </a:r>
+          </a:p>
+        </p:txBody>
+      </p:sp>
+    </p:spTree>
+    <p:extLst>
+      <p:ext uri="{BB962C8B-B14F-4D97-AF65-F5344CB8AC3E}">
+        <p14:creationId xmlns:p14="http://schemas.microsoft.com/office/powerpoint/2010/main" val="1046606255"/>
+      </p:ext>
+    </p:extLst>
+  </p:cSld>
+  <p:clrMapOvr>
+    <a:masterClrMapping/>
+  </p:clrMapOvr>
+</p:sld>
+</file>
+
+<file path=ppt/slides/slide15.xml><?xml version="1.0" encoding="utf-8"?>
+<p:sld xmlns:a="http://schemas.openxmlformats.org/drawingml/2006/main" xmlns:r="http://schemas.openxmlformats.org/officeDocument/2006/relationships" xmlns:p="http://schemas.openxmlformats.org/presentationml/2006/main">
+  <p:cSld>
+    <p:spTree>
+      <p:nvGrpSpPr>
+        <p:cNvPr id="1" name=""/>
+        <p:cNvGrpSpPr/>
+        <p:nvPr/>
+      </p:nvGrpSpPr>
+      <p:grpSpPr>
+        <a:xfrm>
+          <a:off x="0" y="0"/>
+          <a:ext cx="0" cy="0"/>
+          <a:chOff x="0" y="0"/>
+          <a:chExt cx="0" cy="0"/>
+        </a:xfrm>
+      </p:grpSpPr>
+      <p:sp>
+        <p:nvSpPr>
+          <p:cNvPr id="2" name="Номер слайда 1">
+            <a:extLst>
+              <a:ext uri="{FF2B5EF4-FFF2-40B4-BE49-F238E27FC236}">
+                <a16:creationId xmlns:a16="http://schemas.microsoft.com/office/drawing/2014/main" id="{94E54DF7-09A3-7221-82F0-DD29CBE9B770}"/>
+              </a:ext>
+            </a:extLst>
+          </p:cNvPr>
+          <p:cNvSpPr>
+            <a:spLocks noGrp="1"/>
+          </p:cNvSpPr>
+          <p:nvPr>
+            <p:ph type="sldNum" idx="12"/>
+          </p:nvPr>
+        </p:nvSpPr>
+        <p:spPr/>
+        <p:txBody>
+          <a:bodyPr/>
+          <a:lstStyle/>
+          <a:p>
+            <a:pPr marL="0" lvl="0" indent="0" algn="ctr" rtl="0">
+              <a:spcBef>
+                <a:spcPts val="0"/>
+              </a:spcBef>
+              <a:spcAft>
+                <a:spcPts val="0"/>
+              </a:spcAft>
+              <a:buNone/>
+            </a:pPr>
+            <a:fld id="{00000000-1234-1234-1234-123412341234}" type="slidenum">
+              <a:rPr lang="en" smtClean="0"/>
+              <a:t>15</a:t>
+            </a:fld>
+            <a:endParaRPr lang="en"/>
+          </a:p>
+        </p:txBody>
+      </p:sp>
+      <p:sp>
+        <p:nvSpPr>
+          <p:cNvPr id="5" name="Google Shape;295;p30">
+            <a:extLst>
+              <a:ext uri="{FF2B5EF4-FFF2-40B4-BE49-F238E27FC236}">
+                <a16:creationId xmlns:a16="http://schemas.microsoft.com/office/drawing/2014/main" id="{FDA75494-2C0F-B278-6F01-837C681056C1}"/>
+              </a:ext>
+            </a:extLst>
+          </p:cNvPr>
+          <p:cNvSpPr txBox="1">
+            <a:spLocks noGrp="1"/>
+          </p:cNvSpPr>
+          <p:nvPr>
+            <p:ph type="title"/>
+          </p:nvPr>
+        </p:nvSpPr>
+        <p:spPr>
+          <a:xfrm>
+            <a:off x="720000" y="445025"/>
+            <a:ext cx="7704000" cy="572700"/>
+          </a:xfrm>
+          <a:prstGeom prst="rect">
+            <a:avLst/>
+          </a:prstGeom>
+        </p:spPr>
+        <p:txBody>
+          <a:bodyPr spcFirstLastPara="1" wrap="square" lIns="91425" tIns="91425" rIns="91425" bIns="91425" anchor="t" anchorCtr="0">
+            <a:noAutofit/>
+          </a:bodyPr>
+          <a:lstStyle/>
+          <a:p>
+            <a:r>
+              <a:rPr lang="ru-RU" b="1" dirty="0"/>
+              <a:t>Выводы</a:t>
+            </a:r>
+          </a:p>
+        </p:txBody>
+      </p:sp>
+      <p:sp>
+        <p:nvSpPr>
+          <p:cNvPr id="6" name="Google Shape;342;p33">
+            <a:extLst>
+              <a:ext uri="{FF2B5EF4-FFF2-40B4-BE49-F238E27FC236}">
+                <a16:creationId xmlns:a16="http://schemas.microsoft.com/office/drawing/2014/main" id="{CF38C450-BFB7-A30C-4645-5CD9E24D0EDE}"/>
+              </a:ext>
+            </a:extLst>
+          </p:cNvPr>
+          <p:cNvSpPr txBox="1">
+            <a:spLocks/>
+          </p:cNvSpPr>
+          <p:nvPr/>
+        </p:nvSpPr>
+        <p:spPr>
+          <a:xfrm>
+            <a:off x="720000" y="1132951"/>
+            <a:ext cx="7704000" cy="3469924"/>
+          </a:xfrm>
+          <a:prstGeom prst="rect">
+            <a:avLst/>
+          </a:prstGeom>
+          <a:noFill/>
+          <a:ln>
+            <a:noFill/>
+          </a:ln>
+        </p:spPr>
+        <p:txBody>
+          <a:bodyPr spcFirstLastPara="1" wrap="square" lIns="91425" tIns="91425" rIns="91425" bIns="91425" anchor="t" anchorCtr="0">
+            <a:noAutofit/>
+          </a:bodyPr>
+          <a:lstStyle>
+            <a:defPPr marR="0" lvl="0" algn="l" rtl="0">
+              <a:lnSpc>
+                <a:spcPct val="100000"/>
+              </a:lnSpc>
+              <a:spcBef>
+                <a:spcPts val="0"/>
+              </a:spcBef>
+              <a:spcAft>
+                <a:spcPts val="0"/>
+              </a:spcAft>
+            </a:defPPr>
+            <a:lvl1pPr marL="457200" marR="0" lvl="0" indent="-317500" algn="l" rtl="0">
+              <a:lnSpc>
+                <a:spcPct val="115000"/>
+              </a:lnSpc>
+              <a:spcBef>
+                <a:spcPts val="0"/>
+              </a:spcBef>
+              <a:spcAft>
+                <a:spcPts val="0"/>
+              </a:spcAft>
+              <a:buClr>
+                <a:schemeClr val="dk1"/>
+              </a:buClr>
+              <a:buSzPts val="1400"/>
+              <a:buFont typeface="Mulish"/>
+              <a:buNone/>
+              <a:defRPr sz="1400" b="0" i="0" u="none" strike="noStrike" cap="none">
+                <a:solidFill>
+                  <a:schemeClr val="dk1"/>
+                </a:solidFill>
+                <a:latin typeface="Mulish"/>
+                <a:ea typeface="Mulish"/>
+                <a:cs typeface="Mulish"/>
+                <a:sym typeface="Mulish"/>
+              </a:defRPr>
+            </a:lvl1pPr>
+            <a:lvl2pPr marL="914400" marR="0" lvl="1" indent="-317500" algn="l" rtl="0">
+              <a:lnSpc>
+                <a:spcPct val="100000"/>
+              </a:lnSpc>
+              <a:spcBef>
+                <a:spcPts val="0"/>
+              </a:spcBef>
+              <a:spcAft>
+                <a:spcPts val="0"/>
+              </a:spcAft>
+              <a:buClr>
+                <a:schemeClr val="dk1"/>
+              </a:buClr>
+              <a:buSzPts val="1400"/>
+              <a:buFont typeface="Mulish"/>
+              <a:buNone/>
+              <a:defRPr sz="1400" b="0" i="0" u="none" strike="noStrike" cap="none">
+                <a:solidFill>
+                  <a:schemeClr val="dk1"/>
+                </a:solidFill>
+                <a:latin typeface="Mulish"/>
+                <a:ea typeface="Mulish"/>
+                <a:cs typeface="Mulish"/>
+                <a:sym typeface="Mulish"/>
+              </a:defRPr>
+            </a:lvl2pPr>
+            <a:lvl3pPr marL="1371600" marR="0" lvl="2" indent="-317500" algn="l" rtl="0">
+              <a:lnSpc>
+                <a:spcPct val="100000"/>
+              </a:lnSpc>
+              <a:spcBef>
+                <a:spcPts val="1600"/>
+              </a:spcBef>
+              <a:spcAft>
+                <a:spcPts val="0"/>
+              </a:spcAft>
+              <a:buClr>
+                <a:schemeClr val="dk1"/>
+              </a:buClr>
+              <a:buSzPts val="1400"/>
+              <a:buFont typeface="Mulish"/>
+              <a:buNone/>
+              <a:defRPr sz="1400" b="0" i="0" u="none" strike="noStrike" cap="none">
+                <a:solidFill>
+                  <a:schemeClr val="dk1"/>
+                </a:solidFill>
+                <a:latin typeface="Mulish"/>
+                <a:ea typeface="Mulish"/>
+                <a:cs typeface="Mulish"/>
+                <a:sym typeface="Mulish"/>
+              </a:defRPr>
+            </a:lvl3pPr>
+            <a:lvl4pPr marL="1828800" marR="0" lvl="3" indent="-317500" algn="l" rtl="0">
+              <a:lnSpc>
+                <a:spcPct val="100000"/>
+              </a:lnSpc>
+              <a:spcBef>
+                <a:spcPts val="1600"/>
+              </a:spcBef>
+              <a:spcAft>
+                <a:spcPts val="0"/>
+              </a:spcAft>
+              <a:buClr>
+                <a:schemeClr val="dk1"/>
+              </a:buClr>
+              <a:buSzPts val="1400"/>
+              <a:buFont typeface="Mulish"/>
+              <a:buNone/>
+              <a:defRPr sz="1400" b="0" i="0" u="none" strike="noStrike" cap="none">
+                <a:solidFill>
+                  <a:schemeClr val="dk1"/>
+                </a:solidFill>
+                <a:latin typeface="Mulish"/>
+                <a:ea typeface="Mulish"/>
+                <a:cs typeface="Mulish"/>
+                <a:sym typeface="Mulish"/>
+              </a:defRPr>
+            </a:lvl4pPr>
+            <a:lvl5pPr marL="2286000" marR="0" lvl="4" indent="-317500" algn="l" rtl="0">
+              <a:lnSpc>
+                <a:spcPct val="100000"/>
+              </a:lnSpc>
+              <a:spcBef>
+                <a:spcPts val="1600"/>
+              </a:spcBef>
+              <a:spcAft>
+                <a:spcPts val="0"/>
+              </a:spcAft>
+              <a:buClr>
+                <a:schemeClr val="dk1"/>
+              </a:buClr>
+              <a:buSzPts val="1400"/>
+              <a:buFont typeface="Mulish"/>
+              <a:buNone/>
+              <a:defRPr sz="1400" b="0" i="0" u="none" strike="noStrike" cap="none">
+                <a:solidFill>
+                  <a:schemeClr val="dk1"/>
+                </a:solidFill>
+                <a:latin typeface="Mulish"/>
+                <a:ea typeface="Mulish"/>
+                <a:cs typeface="Mulish"/>
+                <a:sym typeface="Mulish"/>
+              </a:defRPr>
+            </a:lvl5pPr>
+            <a:lvl6pPr marL="2743200" marR="0" lvl="5" indent="-317500" algn="l" rtl="0">
+              <a:lnSpc>
+                <a:spcPct val="100000"/>
+              </a:lnSpc>
+              <a:spcBef>
+                <a:spcPts val="1600"/>
+              </a:spcBef>
+              <a:spcAft>
+                <a:spcPts val="0"/>
+              </a:spcAft>
+              <a:buClr>
+                <a:schemeClr val="dk1"/>
+              </a:buClr>
+              <a:buSzPts val="1400"/>
+              <a:buFont typeface="Mulish"/>
+              <a:buNone/>
+              <a:defRPr sz="1400" b="0" i="0" u="none" strike="noStrike" cap="none">
+                <a:solidFill>
+                  <a:schemeClr val="dk1"/>
+                </a:solidFill>
+                <a:latin typeface="Mulish"/>
+                <a:ea typeface="Mulish"/>
+                <a:cs typeface="Mulish"/>
+                <a:sym typeface="Mulish"/>
+              </a:defRPr>
+            </a:lvl6pPr>
+            <a:lvl7pPr marL="3200400" marR="0" lvl="6" indent="-317500" algn="l" rtl="0">
+              <a:lnSpc>
+                <a:spcPct val="100000"/>
+              </a:lnSpc>
+              <a:spcBef>
+                <a:spcPts val="1600"/>
+              </a:spcBef>
+              <a:spcAft>
+                <a:spcPts val="0"/>
+              </a:spcAft>
+              <a:buClr>
+                <a:schemeClr val="dk1"/>
+              </a:buClr>
+              <a:buSzPts val="1400"/>
+              <a:buFont typeface="Mulish"/>
+              <a:buNone/>
+              <a:defRPr sz="1400" b="0" i="0" u="none" strike="noStrike" cap="none">
+                <a:solidFill>
+                  <a:schemeClr val="dk1"/>
+                </a:solidFill>
+                <a:latin typeface="Mulish"/>
+                <a:ea typeface="Mulish"/>
+                <a:cs typeface="Mulish"/>
+                <a:sym typeface="Mulish"/>
+              </a:defRPr>
+            </a:lvl7pPr>
+            <a:lvl8pPr marL="3657600" marR="0" lvl="7" indent="-317500" algn="l" rtl="0">
+              <a:lnSpc>
+                <a:spcPct val="100000"/>
+              </a:lnSpc>
+              <a:spcBef>
+                <a:spcPts val="1600"/>
+              </a:spcBef>
+              <a:spcAft>
+                <a:spcPts val="0"/>
+              </a:spcAft>
+              <a:buClr>
+                <a:schemeClr val="dk1"/>
+              </a:buClr>
+              <a:buSzPts val="1400"/>
+              <a:buFont typeface="Mulish"/>
+              <a:buNone/>
+              <a:defRPr sz="1400" b="0" i="0" u="none" strike="noStrike" cap="none">
+                <a:solidFill>
+                  <a:schemeClr val="dk1"/>
+                </a:solidFill>
+                <a:latin typeface="Mulish"/>
+                <a:ea typeface="Mulish"/>
+                <a:cs typeface="Mulish"/>
+                <a:sym typeface="Mulish"/>
+              </a:defRPr>
+            </a:lvl8pPr>
+            <a:lvl9pPr marL="4114800" marR="0" lvl="8" indent="-317500" algn="l" rtl="0">
+              <a:lnSpc>
+                <a:spcPct val="100000"/>
+              </a:lnSpc>
+              <a:spcBef>
+                <a:spcPts val="1600"/>
+              </a:spcBef>
+              <a:spcAft>
+                <a:spcPts val="1600"/>
+              </a:spcAft>
+              <a:buClr>
+                <a:schemeClr val="dk1"/>
+              </a:buClr>
+              <a:buSzPts val="1400"/>
+              <a:buFont typeface="Mulish"/>
+              <a:buNone/>
+              <a:defRPr sz="1400" b="0" i="0" u="none" strike="noStrike" cap="none">
+                <a:solidFill>
+                  <a:schemeClr val="dk1"/>
+                </a:solidFill>
+                <a:latin typeface="Mulish"/>
+                <a:ea typeface="Mulish"/>
+                <a:cs typeface="Mulish"/>
+                <a:sym typeface="Mulish"/>
+              </a:defRPr>
+            </a:lvl9pPr>
+          </a:lstStyle>
+          <a:p>
+            <a:pPr marL="139700" indent="0"/>
+            <a:r>
+              <a:rPr lang="ru-RU" sz="1600" dirty="0"/>
+              <a:t>В рамках проделанной работы выполнен:</a:t>
+            </a:r>
+          </a:p>
+          <a:p>
+            <a:pPr marL="425450" indent="-285750">
+              <a:buFont typeface="Arial" panose="020B0604020202020204" pitchFamily="34" charset="0"/>
+              <a:buChar char="•"/>
+            </a:pPr>
+            <a:r>
+              <a:rPr lang="ru-RU" sz="1600" dirty="0"/>
+              <a:t>Анализ текстов в предоставленных датасетах;</a:t>
+            </a:r>
+          </a:p>
+          <a:p>
+            <a:pPr marL="425450" indent="-285750">
+              <a:buFont typeface="Arial" panose="020B0604020202020204" pitchFamily="34" charset="0"/>
+              <a:buChar char="•"/>
+            </a:pPr>
+            <a:r>
+              <a:rPr lang="ru-RU" sz="1600" dirty="0"/>
+              <a:t>Изучены основные концепции по работе с текстом для выполнения семантического поиска, в частности познакомились с моделью </a:t>
+            </a:r>
+            <a:r>
+              <a:rPr lang="en-US" sz="1600" dirty="0"/>
+              <a:t>BERT</a:t>
+            </a:r>
+            <a:r>
+              <a:rPr lang="ru-RU" sz="1600" dirty="0"/>
+              <a:t>;</a:t>
+            </a:r>
+          </a:p>
+          <a:p>
+            <a:pPr marL="425450" indent="-285750">
+              <a:buFont typeface="Arial" panose="020B0604020202020204" pitchFamily="34" charset="0"/>
+              <a:buChar char="•"/>
+            </a:pPr>
+            <a:r>
+              <a:rPr lang="ru-RU" sz="1600" dirty="0"/>
+              <a:t>Реализовали </a:t>
+            </a:r>
+            <a:r>
+              <a:rPr lang="en-US" sz="1600" dirty="0"/>
+              <a:t>Frontend </a:t>
+            </a:r>
+            <a:r>
+              <a:rPr lang="ru-RU" sz="1600" dirty="0"/>
+              <a:t>и </a:t>
+            </a:r>
+            <a:r>
+              <a:rPr lang="en-US" sz="1600" dirty="0"/>
+              <a:t>Backend </a:t>
+            </a:r>
+            <a:r>
+              <a:rPr lang="ru-RU" sz="1600" dirty="0"/>
+              <a:t>решения;</a:t>
+            </a:r>
+          </a:p>
+          <a:p>
+            <a:pPr marL="425450" indent="-285750">
+              <a:buFont typeface="Arial" panose="020B0604020202020204" pitchFamily="34" charset="0"/>
+              <a:buChar char="•"/>
+            </a:pPr>
+            <a:r>
+              <a:rPr lang="ru-RU" sz="1600" dirty="0"/>
+              <a:t>Упаковали клиент-серверное решение в </a:t>
+            </a:r>
+            <a:r>
+              <a:rPr lang="en-US" sz="1600" dirty="0"/>
+              <a:t>Docker-compose.</a:t>
+            </a:r>
+            <a:endParaRPr lang="ru-RU" sz="1600" dirty="0"/>
+          </a:p>
+        </p:txBody>
+      </p:sp>
+    </p:spTree>
+    <p:extLst>
+      <p:ext uri="{BB962C8B-B14F-4D97-AF65-F5344CB8AC3E}">
+        <p14:creationId xmlns:p14="http://schemas.microsoft.com/office/powerpoint/2010/main" val="2591606017"/>
+      </p:ext>
+    </p:extLst>
+  </p:cSld>
+  <p:clrMapOvr>
+    <a:masterClrMapping/>
+  </p:clrMapOvr>
+</p:sld>
+</file>
+
 <file path=ppt/slides/slide2.xml><?xml version="1.0" encoding="utf-8"?>
 <p:sld xmlns:a="http://schemas.openxmlformats.org/drawingml/2006/main" xmlns:r="http://schemas.openxmlformats.org/officeDocument/2006/relationships" xmlns:p="http://schemas.openxmlformats.org/presentationml/2006/main">
   <p:cSld>
